--- a/chapter-04/01-crd/04_01_crd.pptx
+++ b/chapter-04/01-crd/04_01_crd.pptx
@@ -258,7 +258,7 @@
           <a:p>
             <a:fld id="{7C2A2C10-8C9F-9B42-9862-A5B84F1CAB8B}" type="datetimeFigureOut">
               <a:rPr lang="en-US" smtClean="0"/>
-              <a:t>4/15/2023</a:t>
+              <a:t>4/16/2023</a:t>
             </a:fld>
             <a:endParaRPr lang="en-US"/>
           </a:p>
